--- a/Presentation_Group 3.pptx
+++ b/Presentation_Group 3.pptx
@@ -138,7 +138,7 @@
 <file path=ppt/revisionInfo.xml><?xml version="1.0" encoding="utf-8"?>
 <p1510:revInfo xmlns:a="http://schemas.openxmlformats.org/drawingml/2006/main" xmlns:r="http://schemas.openxmlformats.org/officeDocument/2006/relationships" xmlns:p1510="http://schemas.microsoft.com/office/powerpoint/2015/10/main">
   <p1510:revLst>
-    <p1510:client id="{4188CE00-F1E4-4CE1-98DD-A280CCB113C5}" v="56" dt="2021-04-11T15:22:59.808"/>
+    <p1510:client id="{4188CE00-F1E4-4CE1-98DD-A280CCB113C5}" v="58" dt="2021-04-13T12:37:08.388"/>
   </p1510:revLst>
 </p1510:revInfo>
 </file>
@@ -3752,7 +3752,7 @@
   <pc:docChgLst>
     <pc:chgData name="Christian Rauhut" userId="9eeb04e7291d6ddb" providerId="LiveId" clId="{4188CE00-F1E4-4CE1-98DD-A280CCB113C5}"/>
     <pc:docChg chg="undo redo custSel modSld">
-      <pc:chgData name="Christian Rauhut" userId="9eeb04e7291d6ddb" providerId="LiveId" clId="{4188CE00-F1E4-4CE1-98DD-A280CCB113C5}" dt="2021-04-12T13:22:36.104" v="199" actId="20577"/>
+      <pc:chgData name="Christian Rauhut" userId="9eeb04e7291d6ddb" providerId="LiveId" clId="{4188CE00-F1E4-4CE1-98DD-A280CCB113C5}" dt="2021-04-13T12:37:08.387" v="202" actId="20577"/>
       <pc:docMkLst>
         <pc:docMk/>
       </pc:docMkLst>
@@ -3864,7 +3864,7 @@
         </pc:sldMkLst>
       </pc:sldChg>
       <pc:sldChg chg="modSp mod modNotesTx">
-        <pc:chgData name="Christian Rauhut" userId="9eeb04e7291d6ddb" providerId="LiveId" clId="{4188CE00-F1E4-4CE1-98DD-A280CCB113C5}" dt="2021-04-11T15:22:59.808" v="188" actId="255"/>
+        <pc:chgData name="Christian Rauhut" userId="9eeb04e7291d6ddb" providerId="LiveId" clId="{4188CE00-F1E4-4CE1-98DD-A280CCB113C5}" dt="2021-04-13T12:37:08.387" v="202" actId="20577"/>
         <pc:sldMkLst>
           <pc:docMk/>
           <pc:sldMk cId="1831518069" sldId="306"/>
@@ -3886,7 +3886,7 @@
           </ac:spMkLst>
         </pc:spChg>
         <pc:spChg chg="mod">
-          <ac:chgData name="Christian Rauhut" userId="9eeb04e7291d6ddb" providerId="LiveId" clId="{4188CE00-F1E4-4CE1-98DD-A280CCB113C5}" dt="2021-04-11T15:22:54.192" v="187" actId="255"/>
+          <ac:chgData name="Christian Rauhut" userId="9eeb04e7291d6ddb" providerId="LiveId" clId="{4188CE00-F1E4-4CE1-98DD-A280CCB113C5}" dt="2021-04-13T12:37:08.387" v="202" actId="20577"/>
           <ac:spMkLst>
             <pc:docMk/>
             <pc:sldMk cId="1831518069" sldId="306"/>
@@ -3894,7 +3894,7 @@
           </ac:spMkLst>
         </pc:spChg>
         <pc:spChg chg="mod">
-          <ac:chgData name="Christian Rauhut" userId="9eeb04e7291d6ddb" providerId="LiveId" clId="{4188CE00-F1E4-4CE1-98DD-A280CCB113C5}" dt="2021-04-11T15:22:41.811" v="185" actId="255"/>
+          <ac:chgData name="Christian Rauhut" userId="9eeb04e7291d6ddb" providerId="LiveId" clId="{4188CE00-F1E4-4CE1-98DD-A280CCB113C5}" dt="2021-04-13T12:36:48.277" v="200" actId="6549"/>
           <ac:spMkLst>
             <pc:docMk/>
             <pc:sldMk cId="1831518069" sldId="306"/>
@@ -4170,7 +4170,7 @@
           <a:p>
             <a:fld id="{DD773868-816C-4E9A-BF62-C4F04038B243}" type="datetimeFigureOut">
               <a:rPr lang="en-GB" smtClean="0"/>
-              <a:t>12/04/2021</a:t>
+              <a:t>13/04/2021</a:t>
             </a:fld>
             <a:endParaRPr lang="en-GB"/>
           </a:p>
@@ -42085,6 +42085,21 @@
               <a:defRPr/>
             </a:pPr>
             <a:r>
+              <a:rPr lang="de-CH" sz="1000">
+                <a:solidFill>
+                  <a:schemeClr val="tx1">
+                    <a:lumMod val="90000"/>
+                    <a:lumOff val="10000"/>
+                    <a:alpha val="70000"/>
+                  </a:schemeClr>
+                </a:solidFill>
+                <a:latin typeface="Segoe UI Semibold"/>
+                <a:ea typeface="Roboto Light" charset="0"/>
+                <a:cs typeface="Roboto Light" charset="0"/>
+              </a:rPr>
+              <a:t>Training </a:t>
+            </a:r>
+            <a:r>
               <a:rPr lang="de-CH" sz="1000" dirty="0">
                 <a:solidFill>
                   <a:schemeClr val="tx1">
@@ -42097,10 +42112,10 @@
                 <a:ea typeface="Roboto Light" charset="0"/>
                 <a:cs typeface="Roboto Light" charset="0"/>
               </a:rPr>
-              <a:t>Training </a:t>
-            </a:r>
-            <a:r>
-              <a:rPr lang="de-CH" sz="1000" dirty="0" err="1">
+              <a:t>S</a:t>
+            </a:r>
+            <a:r>
+              <a:rPr lang="de-CH" sz="1000">
                 <a:solidFill>
                   <a:schemeClr val="tx1">
                     <a:lumMod val="90000"/>
@@ -42112,7 +42127,7 @@
                 <a:ea typeface="Roboto Light" charset="0"/>
                 <a:cs typeface="Roboto Light" charset="0"/>
               </a:rPr>
-              <a:t>set</a:t>
+              <a:t>et </a:t>
             </a:r>
             <a:r>
               <a:rPr lang="de-CH" sz="1000" dirty="0">
@@ -42127,7 +42142,7 @@
                 <a:ea typeface="Roboto Light" charset="0"/>
                 <a:cs typeface="Roboto Light" charset="0"/>
               </a:rPr>
-              <a:t> wurde in 5 Sets unterteilt</a:t>
+              <a:t>wurde in 5 Sets unterteilt</a:t>
             </a:r>
           </a:p>
           <a:p>
@@ -42354,7 +42369,7 @@
                 <a:ea typeface="Roboto Light" charset="0"/>
                 <a:cs typeface="Roboto Light" charset="0"/>
               </a:rPr>
-              <a:t>Carhartt</a:t>
+              <a:t>Carhart</a:t>
             </a:r>
             <a:r>
               <a:rPr lang="de-CH" sz="1000" dirty="0">
